--- a/home.pptx
+++ b/home.pptx
@@ -288,7 +288,7 @@
           <a:p>
             <a:fld id="{558561AA-5FF8-C74E-9F2A-2A903FA31FFA}" type="datetimeFigureOut">
               <a:rPr lang="en-US" smtClean="0"/>
-              <a:t>04/03/20</a:t>
+              <a:t>05/03/20</a:t>
             </a:fld>
             <a:endParaRPr lang="en-US"/>
           </a:p>
@@ -458,7 +458,7 @@
           <a:p>
             <a:fld id="{558561AA-5FF8-C74E-9F2A-2A903FA31FFA}" type="datetimeFigureOut">
               <a:rPr lang="en-US" smtClean="0"/>
-              <a:t>04/03/20</a:t>
+              <a:t>05/03/20</a:t>
             </a:fld>
             <a:endParaRPr lang="en-US"/>
           </a:p>
@@ -638,7 +638,7 @@
           <a:p>
             <a:fld id="{558561AA-5FF8-C74E-9F2A-2A903FA31FFA}" type="datetimeFigureOut">
               <a:rPr lang="en-US" smtClean="0"/>
-              <a:t>04/03/20</a:t>
+              <a:t>05/03/20</a:t>
             </a:fld>
             <a:endParaRPr lang="en-US"/>
           </a:p>
@@ -808,7 +808,7 @@
           <a:p>
             <a:fld id="{558561AA-5FF8-C74E-9F2A-2A903FA31FFA}" type="datetimeFigureOut">
               <a:rPr lang="en-US" smtClean="0"/>
-              <a:t>04/03/20</a:t>
+              <a:t>05/03/20</a:t>
             </a:fld>
             <a:endParaRPr lang="en-US"/>
           </a:p>
@@ -1054,7 +1054,7 @@
           <a:p>
             <a:fld id="{558561AA-5FF8-C74E-9F2A-2A903FA31FFA}" type="datetimeFigureOut">
               <a:rPr lang="en-US" smtClean="0"/>
-              <a:t>04/03/20</a:t>
+              <a:t>05/03/20</a:t>
             </a:fld>
             <a:endParaRPr lang="en-US"/>
           </a:p>
@@ -1342,7 +1342,7 @@
           <a:p>
             <a:fld id="{558561AA-5FF8-C74E-9F2A-2A903FA31FFA}" type="datetimeFigureOut">
               <a:rPr lang="en-US" smtClean="0"/>
-              <a:t>04/03/20</a:t>
+              <a:t>05/03/20</a:t>
             </a:fld>
             <a:endParaRPr lang="en-US"/>
           </a:p>
@@ -1764,7 +1764,7 @@
           <a:p>
             <a:fld id="{558561AA-5FF8-C74E-9F2A-2A903FA31FFA}" type="datetimeFigureOut">
               <a:rPr lang="en-US" smtClean="0"/>
-              <a:t>04/03/20</a:t>
+              <a:t>05/03/20</a:t>
             </a:fld>
             <a:endParaRPr lang="en-US"/>
           </a:p>
@@ -1882,7 +1882,7 @@
           <a:p>
             <a:fld id="{558561AA-5FF8-C74E-9F2A-2A903FA31FFA}" type="datetimeFigureOut">
               <a:rPr lang="en-US" smtClean="0"/>
-              <a:t>04/03/20</a:t>
+              <a:t>05/03/20</a:t>
             </a:fld>
             <a:endParaRPr lang="en-US"/>
           </a:p>
@@ -1977,7 +1977,7 @@
           <a:p>
             <a:fld id="{558561AA-5FF8-C74E-9F2A-2A903FA31FFA}" type="datetimeFigureOut">
               <a:rPr lang="en-US" smtClean="0"/>
-              <a:t>04/03/20</a:t>
+              <a:t>05/03/20</a:t>
             </a:fld>
             <a:endParaRPr lang="en-US"/>
           </a:p>
@@ -2254,7 +2254,7 @@
           <a:p>
             <a:fld id="{558561AA-5FF8-C74E-9F2A-2A903FA31FFA}" type="datetimeFigureOut">
               <a:rPr lang="en-US" smtClean="0"/>
-              <a:t>04/03/20</a:t>
+              <a:t>05/03/20</a:t>
             </a:fld>
             <a:endParaRPr lang="en-US"/>
           </a:p>
@@ -2507,7 +2507,7 @@
           <a:p>
             <a:fld id="{558561AA-5FF8-C74E-9F2A-2A903FA31FFA}" type="datetimeFigureOut">
               <a:rPr lang="en-US" smtClean="0"/>
-              <a:t>04/03/20</a:t>
+              <a:t>05/03/20</a:t>
             </a:fld>
             <a:endParaRPr lang="en-US"/>
           </a:p>
@@ -2720,7 +2720,7 @@
           <a:p>
             <a:fld id="{558561AA-5FF8-C74E-9F2A-2A903FA31FFA}" type="datetimeFigureOut">
               <a:rPr lang="en-US" smtClean="0"/>
-              <a:t>04/03/20</a:t>
+              <a:t>05/03/20</a:t>
             </a:fld>
             <a:endParaRPr lang="en-US"/>
           </a:p>
@@ -3111,7 +3111,7 @@
         </p:nvSpPr>
         <p:spPr>
           <a:xfrm rot="5400000" flipV="1">
-            <a:off x="1686720" y="416717"/>
+            <a:off x="1686720" y="1689434"/>
             <a:ext cx="5984874" cy="10739442"/>
           </a:xfrm>
           <a:prstGeom prst="parallelogram">
@@ -3155,7 +3155,7 @@
         </p:nvSpPr>
         <p:spPr>
           <a:xfrm rot="5400000" flipV="1">
-            <a:off x="1297781" y="3321846"/>
+            <a:off x="1297781" y="4611194"/>
             <a:ext cx="2262188" cy="730248"/>
           </a:xfrm>
           <a:prstGeom prst="trapezoid">
@@ -3202,7 +3202,7 @@
         </p:nvSpPr>
         <p:spPr>
           <a:xfrm>
-            <a:off x="2063749" y="2508250"/>
+            <a:off x="2063749" y="3797598"/>
             <a:ext cx="730249" cy="1289050"/>
           </a:xfrm>
           <a:custGeom>
